--- a/marketing/20180928_bpmn.ai applications generic.pptx
+++ b/marketing/20180928_bpmn.ai applications generic.pptx
@@ -24478,7 +24478,7 @@
           <a:p>
             <a:r>
               <a:rPr lang="de-DE"/>
-              <a:t>Provi AI Prediction Application (PAPA)</a:t>
+              <a:t>viadee AI Prediction Application (vAPA)</a:t>
             </a:r>
           </a:p>
         </p:txBody>
